--- a/Azure Global试用申请.pptx
+++ b/Azure Global试用申请.pptx
@@ -9,10 +9,11 @@
     <p:sldId id="259" r:id="rId3"/>
     <p:sldId id="264" r:id="rId4"/>
     <p:sldId id="265" r:id="rId5"/>
-    <p:sldId id="263" r:id="rId6"/>
-    <p:sldId id="260" r:id="rId7"/>
-    <p:sldId id="261" r:id="rId8"/>
-    <p:sldId id="262" r:id="rId9"/>
+    <p:sldId id="266" r:id="rId6"/>
+    <p:sldId id="263" r:id="rId7"/>
+    <p:sldId id="260" r:id="rId8"/>
+    <p:sldId id="261" r:id="rId9"/>
+    <p:sldId id="262" r:id="rId10"/>
   </p:sldIdLst>
   <p:sldSz cx="12192000" cy="6858000"/>
   <p:notesSz cx="6858000" cy="9144000"/>
@@ -268,7 +269,7 @@
           <a:p>
             <a:fld id="{42E349EB-6EBA-4400-A451-A5C40F70088C}" type="datetimeFigureOut">
               <a:rPr lang="zh-CN" altLang="en-US" smtClean="0"/>
-              <a:t>2020/11/13</a:t>
+              <a:t>2020/11/16</a:t>
             </a:fld>
             <a:endParaRPr lang="zh-CN" altLang="en-US"/>
           </a:p>
@@ -468,7 +469,7 @@
           <a:p>
             <a:fld id="{42E349EB-6EBA-4400-A451-A5C40F70088C}" type="datetimeFigureOut">
               <a:rPr lang="zh-CN" altLang="en-US" smtClean="0"/>
-              <a:t>2020/11/13</a:t>
+              <a:t>2020/11/16</a:t>
             </a:fld>
             <a:endParaRPr lang="zh-CN" altLang="en-US"/>
           </a:p>
@@ -678,7 +679,7 @@
           <a:p>
             <a:fld id="{42E349EB-6EBA-4400-A451-A5C40F70088C}" type="datetimeFigureOut">
               <a:rPr lang="zh-CN" altLang="en-US" smtClean="0"/>
-              <a:t>2020/11/13</a:t>
+              <a:t>2020/11/16</a:t>
             </a:fld>
             <a:endParaRPr lang="zh-CN" altLang="en-US"/>
           </a:p>
@@ -878,7 +879,7 @@
           <a:p>
             <a:fld id="{42E349EB-6EBA-4400-A451-A5C40F70088C}" type="datetimeFigureOut">
               <a:rPr lang="zh-CN" altLang="en-US" smtClean="0"/>
-              <a:t>2020/11/13</a:t>
+              <a:t>2020/11/16</a:t>
             </a:fld>
             <a:endParaRPr lang="zh-CN" altLang="en-US"/>
           </a:p>
@@ -1154,7 +1155,7 @@
           <a:p>
             <a:fld id="{42E349EB-6EBA-4400-A451-A5C40F70088C}" type="datetimeFigureOut">
               <a:rPr lang="zh-CN" altLang="en-US" smtClean="0"/>
-              <a:t>2020/11/13</a:t>
+              <a:t>2020/11/16</a:t>
             </a:fld>
             <a:endParaRPr lang="zh-CN" altLang="en-US"/>
           </a:p>
@@ -1422,7 +1423,7 @@
           <a:p>
             <a:fld id="{42E349EB-6EBA-4400-A451-A5C40F70088C}" type="datetimeFigureOut">
               <a:rPr lang="zh-CN" altLang="en-US" smtClean="0"/>
-              <a:t>2020/11/13</a:t>
+              <a:t>2020/11/16</a:t>
             </a:fld>
             <a:endParaRPr lang="zh-CN" altLang="en-US"/>
           </a:p>
@@ -1837,7 +1838,7 @@
           <a:p>
             <a:fld id="{42E349EB-6EBA-4400-A451-A5C40F70088C}" type="datetimeFigureOut">
               <a:rPr lang="zh-CN" altLang="en-US" smtClean="0"/>
-              <a:t>2020/11/13</a:t>
+              <a:t>2020/11/16</a:t>
             </a:fld>
             <a:endParaRPr lang="zh-CN" altLang="en-US"/>
           </a:p>
@@ -1979,7 +1980,7 @@
           <a:p>
             <a:fld id="{42E349EB-6EBA-4400-A451-A5C40F70088C}" type="datetimeFigureOut">
               <a:rPr lang="zh-CN" altLang="en-US" smtClean="0"/>
-              <a:t>2020/11/13</a:t>
+              <a:t>2020/11/16</a:t>
             </a:fld>
             <a:endParaRPr lang="zh-CN" altLang="en-US"/>
           </a:p>
@@ -2092,7 +2093,7 @@
           <a:p>
             <a:fld id="{42E349EB-6EBA-4400-A451-A5C40F70088C}" type="datetimeFigureOut">
               <a:rPr lang="zh-CN" altLang="en-US" smtClean="0"/>
-              <a:t>2020/11/13</a:t>
+              <a:t>2020/11/16</a:t>
             </a:fld>
             <a:endParaRPr lang="zh-CN" altLang="en-US"/>
           </a:p>
@@ -2405,7 +2406,7 @@
           <a:p>
             <a:fld id="{42E349EB-6EBA-4400-A451-A5C40F70088C}" type="datetimeFigureOut">
               <a:rPr lang="zh-CN" altLang="en-US" smtClean="0"/>
-              <a:t>2020/11/13</a:t>
+              <a:t>2020/11/16</a:t>
             </a:fld>
             <a:endParaRPr lang="zh-CN" altLang="en-US"/>
           </a:p>
@@ -2694,7 +2695,7 @@
           <a:p>
             <a:fld id="{42E349EB-6EBA-4400-A451-A5C40F70088C}" type="datetimeFigureOut">
               <a:rPr lang="zh-CN" altLang="en-US" smtClean="0"/>
-              <a:t>2020/11/13</a:t>
+              <a:t>2020/11/16</a:t>
             </a:fld>
             <a:endParaRPr lang="zh-CN" altLang="en-US"/>
           </a:p>
@@ -2937,7 +2938,7 @@
           <a:p>
             <a:fld id="{42E349EB-6EBA-4400-A451-A5C40F70088C}" type="datetimeFigureOut">
               <a:rPr lang="zh-CN" altLang="en-US" smtClean="0"/>
-              <a:t>2020/11/13</a:t>
+              <a:t>2020/11/16</a:t>
             </a:fld>
             <a:endParaRPr lang="zh-CN" altLang="en-US"/>
           </a:p>
@@ -3810,6 +3811,93 @@
           <p:cNvPr id="2" name="Title 1">
             <a:extLst>
               <a:ext uri="{FF2B5EF4-FFF2-40B4-BE49-F238E27FC236}">
+                <a16:creationId xmlns:a16="http://schemas.microsoft.com/office/drawing/2014/main" id="{EC4D3B6C-4B62-46D3-9E78-7E9E7C9AD298}"/>
+              </a:ext>
+            </a:extLst>
+          </p:cNvPr>
+          <p:cNvSpPr>
+            <a:spLocks noGrp="1"/>
+          </p:cNvSpPr>
+          <p:nvPr>
+            <p:ph type="ctrTitle"/>
+          </p:nvPr>
+        </p:nvSpPr>
+        <p:spPr/>
+        <p:txBody>
+          <a:bodyPr/>
+          <a:lstStyle/>
+          <a:p>
+            <a:r>
+              <a:rPr lang="en-US" altLang="zh-CN" dirty="0"/>
+              <a:t>Azure China</a:t>
+            </a:r>
+            <a:r>
+              <a:rPr lang="zh-CN" altLang="en-US" dirty="0"/>
+              <a:t>试用申请</a:t>
+            </a:r>
+          </a:p>
+        </p:txBody>
+      </p:sp>
+      <p:sp>
+        <p:nvSpPr>
+          <p:cNvPr id="3" name="Subtitle 2">
+            <a:extLst>
+              <a:ext uri="{FF2B5EF4-FFF2-40B4-BE49-F238E27FC236}">
+                <a16:creationId xmlns:a16="http://schemas.microsoft.com/office/drawing/2014/main" id="{4B38F8E7-311C-49CC-90F5-28B7EB16477F}"/>
+              </a:ext>
+            </a:extLst>
+          </p:cNvPr>
+          <p:cNvSpPr>
+            <a:spLocks noGrp="1"/>
+          </p:cNvSpPr>
+          <p:nvPr>
+            <p:ph type="subTitle" idx="1"/>
+          </p:nvPr>
+        </p:nvSpPr>
+        <p:spPr/>
+        <p:txBody>
+          <a:bodyPr/>
+          <a:lstStyle/>
+          <a:p>
+            <a:endParaRPr lang="zh-CN" altLang="en-US"/>
+          </a:p>
+        </p:txBody>
+      </p:sp>
+    </p:spTree>
+    <p:extLst>
+      <p:ext uri="{BB962C8B-B14F-4D97-AF65-F5344CB8AC3E}">
+        <p14:creationId xmlns:p14="http://schemas.microsoft.com/office/powerpoint/2010/main" val="3040468443"/>
+      </p:ext>
+    </p:extLst>
+  </p:cSld>
+  <p:clrMapOvr>
+    <a:masterClrMapping/>
+  </p:clrMapOvr>
+</p:sld>
+</file>
+
+<file path=ppt/slides/slide6.xml><?xml version="1.0" encoding="utf-8"?>
+<p:sld xmlns:a="http://schemas.openxmlformats.org/drawingml/2006/main" xmlns:r="http://schemas.openxmlformats.org/officeDocument/2006/relationships" xmlns:p="http://schemas.openxmlformats.org/presentationml/2006/main">
+  <p:cSld>
+    <p:spTree>
+      <p:nvGrpSpPr>
+        <p:cNvPr id="1" name=""/>
+        <p:cNvGrpSpPr/>
+        <p:nvPr/>
+      </p:nvGrpSpPr>
+      <p:grpSpPr>
+        <a:xfrm>
+          <a:off x="0" y="0"/>
+          <a:ext cx="0" cy="0"/>
+          <a:chOff x="0" y="0"/>
+          <a:chExt cx="0" cy="0"/>
+        </a:xfrm>
+      </p:grpSpPr>
+      <p:sp>
+        <p:nvSpPr>
+          <p:cNvPr id="2" name="Title 1">
+            <a:extLst>
+              <a:ext uri="{FF2B5EF4-FFF2-40B4-BE49-F238E27FC236}">
                 <a16:creationId xmlns:a16="http://schemas.microsoft.com/office/drawing/2014/main" id="{43AAA531-FF39-4FE2-9E41-22796F9F354D}"/>
               </a:ext>
             </a:extLst>
@@ -3876,7 +3964,7 @@
 </p:sld>
 </file>
 
-<file path=ppt/slides/slide6.xml><?xml version="1.0" encoding="utf-8"?>
+<file path=ppt/slides/slide7.xml><?xml version="1.0" encoding="utf-8"?>
 <p:sld xmlns:a="http://schemas.openxmlformats.org/drawingml/2006/main" xmlns:r="http://schemas.openxmlformats.org/officeDocument/2006/relationships" xmlns:p="http://schemas.openxmlformats.org/presentationml/2006/main">
   <p:cSld>
     <p:spTree>
@@ -3964,7 +4052,7 @@
 </p:sld>
 </file>
 
-<file path=ppt/slides/slide7.xml><?xml version="1.0" encoding="utf-8"?>
+<file path=ppt/slides/slide8.xml><?xml version="1.0" encoding="utf-8"?>
 <p:sld xmlns:a="http://schemas.openxmlformats.org/drawingml/2006/main" xmlns:r="http://schemas.openxmlformats.org/officeDocument/2006/relationships" xmlns:p="http://schemas.openxmlformats.org/presentationml/2006/main">
   <p:cSld>
     <p:spTree>
@@ -4052,7 +4140,7 @@
 </p:sld>
 </file>
 
-<file path=ppt/slides/slide8.xml><?xml version="1.0" encoding="utf-8"?>
+<file path=ppt/slides/slide9.xml><?xml version="1.0" encoding="utf-8"?>
 <p:sld xmlns:a="http://schemas.openxmlformats.org/drawingml/2006/main" xmlns:r="http://schemas.openxmlformats.org/officeDocument/2006/relationships" xmlns:p="http://schemas.openxmlformats.org/presentationml/2006/main">
   <p:cSld>
     <p:spTree>
